--- a/aws_sra_examples/solutions/firewall_manager/firewall_manager_org/documentation/firewall-manager-org.pptx
+++ b/aws_sra_examples/solutions/firewall_manager/firewall_manager_org/documentation/firewall-manager-org.pptx
@@ -197,7 +197,7 @@
           <a:p>
             <a:fld id="{FD8D84E3-00BA-4A46-8256-7E527D8B4480}" type="datetimeFigureOut">
               <a:rPr lang="en-US" smtClean="0"/>
-              <a:t>11/17/21</a:t>
+              <a:t>3/7/22</a:t>
             </a:fld>
             <a:endParaRPr lang="en-US"/>
           </a:p>
@@ -695,7 +695,7 @@
           <a:p>
             <a:fld id="{9FE185F7-9B28-9F45-9F43-9CB5A0B99390}" type="datetimeFigureOut">
               <a:rPr lang="en-US" smtClean="0"/>
-              <a:t>11/17/21</a:t>
+              <a:t>3/7/22</a:t>
             </a:fld>
             <a:endParaRPr lang="en-US"/>
           </a:p>
@@ -893,7 +893,7 @@
           <a:p>
             <a:fld id="{9FE185F7-9B28-9F45-9F43-9CB5A0B99390}" type="datetimeFigureOut">
               <a:rPr lang="en-US" smtClean="0"/>
-              <a:t>11/17/21</a:t>
+              <a:t>3/7/22</a:t>
             </a:fld>
             <a:endParaRPr lang="en-US"/>
           </a:p>
@@ -1101,7 +1101,7 @@
           <a:p>
             <a:fld id="{9FE185F7-9B28-9F45-9F43-9CB5A0B99390}" type="datetimeFigureOut">
               <a:rPr lang="en-US" smtClean="0"/>
-              <a:t>11/17/21</a:t>
+              <a:t>3/7/22</a:t>
             </a:fld>
             <a:endParaRPr lang="en-US"/>
           </a:p>
@@ -1299,7 +1299,7 @@
           <a:p>
             <a:fld id="{9FE185F7-9B28-9F45-9F43-9CB5A0B99390}" type="datetimeFigureOut">
               <a:rPr lang="en-US" smtClean="0"/>
-              <a:t>11/17/21</a:t>
+              <a:t>3/7/22</a:t>
             </a:fld>
             <a:endParaRPr lang="en-US"/>
           </a:p>
@@ -1574,7 +1574,7 @@
           <a:p>
             <a:fld id="{9FE185F7-9B28-9F45-9F43-9CB5A0B99390}" type="datetimeFigureOut">
               <a:rPr lang="en-US" smtClean="0"/>
-              <a:t>11/17/21</a:t>
+              <a:t>3/7/22</a:t>
             </a:fld>
             <a:endParaRPr lang="en-US"/>
           </a:p>
@@ -1839,7 +1839,7 @@
           <a:p>
             <a:fld id="{9FE185F7-9B28-9F45-9F43-9CB5A0B99390}" type="datetimeFigureOut">
               <a:rPr lang="en-US" smtClean="0"/>
-              <a:t>11/17/21</a:t>
+              <a:t>3/7/22</a:t>
             </a:fld>
             <a:endParaRPr lang="en-US"/>
           </a:p>
@@ -2251,7 +2251,7 @@
           <a:p>
             <a:fld id="{9FE185F7-9B28-9F45-9F43-9CB5A0B99390}" type="datetimeFigureOut">
               <a:rPr lang="en-US" smtClean="0"/>
-              <a:t>11/17/21</a:t>
+              <a:t>3/7/22</a:t>
             </a:fld>
             <a:endParaRPr lang="en-US"/>
           </a:p>
@@ -2392,7 +2392,7 @@
           <a:p>
             <a:fld id="{9FE185F7-9B28-9F45-9F43-9CB5A0B99390}" type="datetimeFigureOut">
               <a:rPr lang="en-US" smtClean="0"/>
-              <a:t>11/17/21</a:t>
+              <a:t>3/7/22</a:t>
             </a:fld>
             <a:endParaRPr lang="en-US"/>
           </a:p>
@@ -2505,7 +2505,7 @@
           <a:p>
             <a:fld id="{9FE185F7-9B28-9F45-9F43-9CB5A0B99390}" type="datetimeFigureOut">
               <a:rPr lang="en-US" smtClean="0"/>
-              <a:t>11/17/21</a:t>
+              <a:t>3/7/22</a:t>
             </a:fld>
             <a:endParaRPr lang="en-US"/>
           </a:p>
@@ -2816,7 +2816,7 @@
           <a:p>
             <a:fld id="{9FE185F7-9B28-9F45-9F43-9CB5A0B99390}" type="datetimeFigureOut">
               <a:rPr lang="en-US" smtClean="0"/>
-              <a:t>11/17/21</a:t>
+              <a:t>3/7/22</a:t>
             </a:fld>
             <a:endParaRPr lang="en-US"/>
           </a:p>
@@ -3104,7 +3104,7 @@
           <a:p>
             <a:fld id="{9FE185F7-9B28-9F45-9F43-9CB5A0B99390}" type="datetimeFigureOut">
               <a:rPr lang="en-US" smtClean="0"/>
-              <a:t>11/17/21</a:t>
+              <a:t>3/7/22</a:t>
             </a:fld>
             <a:endParaRPr lang="en-US"/>
           </a:p>
@@ -3345,7 +3345,7 @@
           <a:p>
             <a:fld id="{9FE185F7-9B28-9F45-9F43-9CB5A0B99390}" type="datetimeFigureOut">
               <a:rPr lang="en-US" smtClean="0"/>
-              <a:t>11/17/21</a:t>
+              <a:t>3/7/22</a:t>
             </a:fld>
             <a:endParaRPr lang="en-US"/>
           </a:p>
@@ -3748,6 +3748,17 @@
 <file path=ppt/slides/slide1.xml><?xml version="1.0" encoding="utf-8"?>
 <p:sld xmlns:a="http://schemas.openxmlformats.org/drawingml/2006/main" xmlns:r="http://schemas.openxmlformats.org/officeDocument/2006/relationships" xmlns:p="http://schemas.openxmlformats.org/presentationml/2006/main">
   <p:cSld>
+    <p:bg>
+      <p:bgPr>
+        <a:solidFill>
+          <a:schemeClr val="tx1">
+            <a:lumMod val="65000"/>
+            <a:lumOff val="35000"/>
+          </a:schemeClr>
+        </a:solidFill>
+        <a:effectLst/>
+      </p:bgPr>
+    </p:bg>
     <p:spTree>
       <p:nvGrpSpPr>
         <p:cNvPr id="1" name=""/>
@@ -3776,8 +3787,8 @@
         </p:nvSpPr>
         <p:spPr>
           <a:xfrm>
-            <a:off x="2055178" y="263582"/>
-            <a:ext cx="6447020" cy="6155147"/>
+            <a:off x="3243661" y="224373"/>
+            <a:ext cx="4943606" cy="6545317"/>
           </a:xfrm>
           <a:prstGeom prst="rect">
             <a:avLst/>
@@ -3935,8 +3946,8 @@
         </p:nvSpPr>
         <p:spPr>
           <a:xfrm>
-            <a:off x="2385378" y="651461"/>
-            <a:ext cx="5805330" cy="2985951"/>
+            <a:off x="3425674" y="612426"/>
+            <a:ext cx="4556573" cy="3162148"/>
           </a:xfrm>
           <a:prstGeom prst="rect">
             <a:avLst/>
@@ -3986,19 +3997,6 @@
               <a:t>Organization Management Account</a:t>
             </a:r>
           </a:p>
-          <a:p>
-            <a:pPr algn="ctr"/>
-            <a:r>
-              <a:rPr lang="en-US" sz="1400" dirty="0">
-                <a:solidFill>
-                  <a:schemeClr val="tx1"/>
-                </a:solidFill>
-                <a:latin typeface="Arial" panose="020B0604020202020204" pitchFamily="34" charset="0"/>
-                <a:cs typeface="Arial" panose="020B0604020202020204" pitchFamily="34" charset="0"/>
-              </a:rPr>
-              <a:t>OU: management</a:t>
-            </a:r>
-          </a:p>
         </p:txBody>
       </p:sp>
       <p:pic>
@@ -4029,7 +4027,7 @@
         </p:blipFill>
         <p:spPr>
           <a:xfrm>
-            <a:off x="2055178" y="263582"/>
+            <a:off x="3243660" y="224373"/>
             <a:ext cx="330200" cy="330200"/>
           </a:xfrm>
           <a:prstGeom prst="rect">
@@ -4051,8 +4049,8 @@
         </p:nvSpPr>
         <p:spPr>
           <a:xfrm>
-            <a:off x="2372756" y="3696784"/>
-            <a:ext cx="5817952" cy="2614369"/>
+            <a:off x="3425674" y="3861141"/>
+            <a:ext cx="4556572" cy="2725926"/>
           </a:xfrm>
           <a:prstGeom prst="rect">
             <a:avLst/>
@@ -4105,14 +4103,14 @@
           <a:p>
             <a:pPr algn="ctr"/>
             <a:r>
-              <a:rPr lang="en-US" sz="1400" dirty="0">
+              <a:rPr lang="en-US" sz="1200" dirty="0">
                 <a:solidFill>
                   <a:schemeClr val="tx1"/>
                 </a:solidFill>
                 <a:latin typeface="Arial" panose="020B0604020202020204" pitchFamily="34" charset="0"/>
                 <a:cs typeface="Arial" panose="020B0604020202020204" pitchFamily="34" charset="0"/>
               </a:rPr>
-              <a:t>OU: Core</a:t>
+              <a:t>OU: Security</a:t>
             </a:r>
           </a:p>
         </p:txBody>
@@ -4131,8 +4129,8 @@
         </p:nvSpPr>
         <p:spPr>
           <a:xfrm>
-            <a:off x="6697078" y="1780887"/>
-            <a:ext cx="809602" cy="430887"/>
+            <a:off x="6943464" y="2218037"/>
+            <a:ext cx="873409" cy="430887"/>
           </a:xfrm>
           <a:prstGeom prst="rect">
             <a:avLst/>
@@ -4170,8 +4168,8 @@
         </p:nvSpPr>
         <p:spPr>
           <a:xfrm>
-            <a:off x="4415671" y="1873555"/>
-            <a:ext cx="1427732" cy="261610"/>
+            <a:off x="5186422" y="2183700"/>
+            <a:ext cx="1104529" cy="261610"/>
           </a:xfrm>
           <a:prstGeom prst="rect">
             <a:avLst/>
@@ -4299,8 +4297,8 @@
         </p:blipFill>
         <p:spPr>
           <a:xfrm>
-            <a:off x="4874768" y="2549064"/>
-            <a:ext cx="555156" cy="555156"/>
+            <a:off x="5511152" y="2728219"/>
+            <a:ext cx="457200" cy="457200"/>
           </a:xfrm>
           <a:prstGeom prst="rect">
             <a:avLst/>
@@ -4321,8 +4319,8 @@
         </p:nvSpPr>
         <p:spPr>
           <a:xfrm>
-            <a:off x="4370345" y="3104220"/>
-            <a:ext cx="1578705" cy="430887"/>
+            <a:off x="5144677" y="3188330"/>
+            <a:ext cx="1208933" cy="430887"/>
           </a:xfrm>
           <a:prstGeom prst="rect">
             <a:avLst/>
@@ -4417,17 +4415,56 @@
                 <a:latin typeface="Arial" panose="020B0604020202020204" pitchFamily="34" charset="0"/>
                 <a:cs typeface="Arial" panose="020B0604020202020204" pitchFamily="34" charset="0"/>
               </a:rPr>
-              <a:t>Lambda CloudWatch Log Group</a:t>
+              <a:t>CloudWatch Log Group</a:t>
+            </a:r>
+          </a:p>
+        </p:txBody>
+      </p:sp>
+      <p:sp>
+        <p:nvSpPr>
+          <p:cNvPr id="144" name="TextBox 143">
+            <a:extLst>
+              <a:ext uri="{FF2B5EF4-FFF2-40B4-BE49-F238E27FC236}">
+                <a16:creationId xmlns:a16="http://schemas.microsoft.com/office/drawing/2014/main" id="{11460688-CF57-0645-ADC6-FB4EF5AFD30A}"/>
+              </a:ext>
+            </a:extLst>
+          </p:cNvPr>
+          <p:cNvSpPr txBox="1"/>
+          <p:nvPr/>
+        </p:nvSpPr>
+        <p:spPr>
+          <a:xfrm>
+            <a:off x="5187950" y="1263625"/>
+            <a:ext cx="1103001" cy="261610"/>
+          </a:xfrm>
+          <a:prstGeom prst="rect">
+            <a:avLst/>
+          </a:prstGeom>
+          <a:noFill/>
+        </p:spPr>
+        <p:txBody>
+          <a:bodyPr wrap="square" rtlCol="0">
+            <a:spAutoFit/>
+          </a:bodyPr>
+          <a:lstStyle/>
+          <a:p>
+            <a:pPr algn="ctr"/>
+            <a:r>
+              <a:rPr lang="en-US" sz="1100" dirty="0">
+                <a:latin typeface="Arial" panose="020B0604020202020204" pitchFamily="34" charset="0"/>
+                <a:cs typeface="Arial" panose="020B0604020202020204" pitchFamily="34" charset="0"/>
+              </a:rPr>
+              <a:t>Lambda Role</a:t>
             </a:r>
           </a:p>
         </p:txBody>
       </p:sp>
       <p:pic>
         <p:nvPicPr>
-          <p:cNvPr id="143" name="Graphic 142">
-            <a:extLst>
-              <a:ext uri="{FF2B5EF4-FFF2-40B4-BE49-F238E27FC236}">
-                <a16:creationId xmlns:a16="http://schemas.microsoft.com/office/drawing/2014/main" id="{6CED07F6-5569-A94B-AE05-B599813B32A6}"/>
+          <p:cNvPr id="145" name="Graphic 144">
+            <a:extLst>
+              <a:ext uri="{FF2B5EF4-FFF2-40B4-BE49-F238E27FC236}">
+                <a16:creationId xmlns:a16="http://schemas.microsoft.com/office/drawing/2014/main" id="{C2D32431-760D-C84E-8B09-2C214FF2B238}"/>
               </a:ext>
             </a:extLst>
           </p:cNvPr>
@@ -4450,8 +4487,8 @@
         </p:blipFill>
         <p:spPr>
           <a:xfrm>
-            <a:off x="4851959" y="1279386"/>
-            <a:ext cx="555156" cy="555156"/>
+            <a:off x="5487367" y="919452"/>
+            <a:ext cx="469900" cy="469900"/>
           </a:xfrm>
           <a:prstGeom prst="rect">
             <a:avLst/>
@@ -4460,10 +4497,10 @@
       </p:pic>
       <p:sp>
         <p:nvSpPr>
-          <p:cNvPr id="144" name="TextBox 143">
-            <a:extLst>
-              <a:ext uri="{FF2B5EF4-FFF2-40B4-BE49-F238E27FC236}">
-                <a16:creationId xmlns:a16="http://schemas.microsoft.com/office/drawing/2014/main" id="{11460688-CF57-0645-ADC6-FB4EF5AFD30A}"/>
+          <p:cNvPr id="151" name="TextBox 150">
+            <a:extLst>
+              <a:ext uri="{FF2B5EF4-FFF2-40B4-BE49-F238E27FC236}">
+                <a16:creationId xmlns:a16="http://schemas.microsoft.com/office/drawing/2014/main" id="{08B67E83-7D09-C748-AEEF-49786315014A}"/>
               </a:ext>
             </a:extLst>
           </p:cNvPr>
@@ -4472,8 +4509,8 @@
         </p:nvSpPr>
         <p:spPr>
           <a:xfrm>
-            <a:off x="5604089" y="2342365"/>
-            <a:ext cx="1103001" cy="261610"/>
+            <a:off x="3720951" y="2682789"/>
+            <a:ext cx="1209706" cy="430887"/>
           </a:xfrm>
           <a:prstGeom prst="rect">
             <a:avLst/>
@@ -4492,17 +4529,17 @@
                 <a:latin typeface="Arial" panose="020B0604020202020204" pitchFamily="34" charset="0"/>
                 <a:cs typeface="Arial" panose="020B0604020202020204" pitchFamily="34" charset="0"/>
               </a:rPr>
-              <a:t>Lambda Role</a:t>
+              <a:t>AWS CloudFormation</a:t>
             </a:r>
           </a:p>
         </p:txBody>
       </p:sp>
       <p:pic>
         <p:nvPicPr>
-          <p:cNvPr id="145" name="Graphic 144">
-            <a:extLst>
-              <a:ext uri="{FF2B5EF4-FFF2-40B4-BE49-F238E27FC236}">
-                <a16:creationId xmlns:a16="http://schemas.microsoft.com/office/drawing/2014/main" id="{C2D32431-760D-C84E-8B09-2C214FF2B238}"/>
+          <p:cNvPr id="152" name="Graphic 151">
+            <a:extLst>
+              <a:ext uri="{FF2B5EF4-FFF2-40B4-BE49-F238E27FC236}">
+                <a16:creationId xmlns:a16="http://schemas.microsoft.com/office/drawing/2014/main" id="{399FFB55-9DC7-0642-93ED-51225281247C}"/>
               </a:ext>
             </a:extLst>
           </p:cNvPr>
@@ -4525,179 +4562,14 @@
         </p:blipFill>
         <p:spPr>
           <a:xfrm>
-            <a:off x="5878695" y="1941548"/>
-            <a:ext cx="469900" cy="469900"/>
+            <a:off x="4097204" y="2216710"/>
+            <a:ext cx="457200" cy="457200"/>
           </a:xfrm>
           <a:prstGeom prst="rect">
             <a:avLst/>
           </a:prstGeom>
         </p:spPr>
       </p:pic>
-      <p:cxnSp>
-        <p:nvCxnSpPr>
-          <p:cNvPr id="148" name="Straight Arrow Connector 147">
-            <a:extLst>
-              <a:ext uri="{FF2B5EF4-FFF2-40B4-BE49-F238E27FC236}">
-                <a16:creationId xmlns:a16="http://schemas.microsoft.com/office/drawing/2014/main" id="{6F49BA0C-6430-BE44-84A2-07F1A2B399AE}"/>
-              </a:ext>
-            </a:extLst>
-          </p:cNvPr>
-          <p:cNvCxnSpPr>
-            <a:cxnSpLocks/>
-          </p:cNvCxnSpPr>
-          <p:nvPr/>
-        </p:nvCxnSpPr>
-        <p:spPr>
-          <a:xfrm>
-            <a:off x="5728167" y="1559607"/>
-            <a:ext cx="835165" cy="0"/>
-          </a:xfrm>
-          <a:prstGeom prst="straightConnector1">
-            <a:avLst/>
-          </a:prstGeom>
-          <a:ln w="12700">
-            <a:solidFill>
-              <a:srgbClr val="545B64"/>
-            </a:solidFill>
-            <a:headEnd type="none" w="med" len="sm"/>
-            <a:tailEnd type="arrow" w="med" len="sm"/>
-          </a:ln>
-        </p:spPr>
-        <p:style>
-          <a:lnRef idx="1">
-            <a:schemeClr val="accent1"/>
-          </a:lnRef>
-          <a:fillRef idx="0">
-            <a:schemeClr val="accent1"/>
-          </a:fillRef>
-          <a:effectRef idx="0">
-            <a:schemeClr val="accent1"/>
-          </a:effectRef>
-          <a:fontRef idx="minor">
-            <a:schemeClr val="tx1"/>
-          </a:fontRef>
-        </p:style>
-      </p:cxnSp>
-      <p:cxnSp>
-        <p:nvCxnSpPr>
-          <p:cNvPr id="149" name="Straight Arrow Connector 148">
-            <a:extLst>
-              <a:ext uri="{FF2B5EF4-FFF2-40B4-BE49-F238E27FC236}">
-                <a16:creationId xmlns:a16="http://schemas.microsoft.com/office/drawing/2014/main" id="{6F0CE74A-09C5-4A4E-9C83-096CC31B5CE1}"/>
-              </a:ext>
-            </a:extLst>
-          </p:cNvPr>
-          <p:cNvCxnSpPr>
-            <a:cxnSpLocks/>
-          </p:cNvCxnSpPr>
-          <p:nvPr/>
-        </p:nvCxnSpPr>
-        <p:spPr>
-          <a:xfrm>
-            <a:off x="5123844" y="2116067"/>
-            <a:ext cx="0" cy="356001"/>
-          </a:xfrm>
-          <a:prstGeom prst="straightConnector1">
-            <a:avLst/>
-          </a:prstGeom>
-          <a:ln w="12700">
-            <a:solidFill>
-              <a:srgbClr val="545B64"/>
-            </a:solidFill>
-            <a:headEnd type="none" w="med" len="sm"/>
-            <a:tailEnd type="arrow" w="med" len="sm"/>
-          </a:ln>
-        </p:spPr>
-        <p:style>
-          <a:lnRef idx="1">
-            <a:schemeClr val="accent1"/>
-          </a:lnRef>
-          <a:fillRef idx="0">
-            <a:schemeClr val="accent1"/>
-          </a:fillRef>
-          <a:effectRef idx="0">
-            <a:schemeClr val="accent1"/>
-          </a:effectRef>
-          <a:fontRef idx="minor">
-            <a:schemeClr val="tx1"/>
-          </a:fontRef>
-        </p:style>
-      </p:cxnSp>
-      <p:sp>
-        <p:nvSpPr>
-          <p:cNvPr id="151" name="TextBox 150">
-            <a:extLst>
-              <a:ext uri="{FF2B5EF4-FFF2-40B4-BE49-F238E27FC236}">
-                <a16:creationId xmlns:a16="http://schemas.microsoft.com/office/drawing/2014/main" id="{08B67E83-7D09-C748-AEEF-49786315014A}"/>
-              </a:ext>
-            </a:extLst>
-          </p:cNvPr>
-          <p:cNvSpPr txBox="1"/>
-          <p:nvPr/>
-        </p:nvSpPr>
-        <p:spPr>
-          <a:xfrm>
-            <a:off x="2438135" y="2381644"/>
-            <a:ext cx="1209706" cy="430887"/>
-          </a:xfrm>
-          <a:prstGeom prst="rect">
-            <a:avLst/>
-          </a:prstGeom>
-          <a:noFill/>
-        </p:spPr>
-        <p:txBody>
-          <a:bodyPr wrap="square" rtlCol="0">
-            <a:spAutoFit/>
-          </a:bodyPr>
-          <a:lstStyle/>
-          <a:p>
-            <a:pPr algn="ctr"/>
-            <a:r>
-              <a:rPr lang="en-US" sz="1100" dirty="0">
-                <a:latin typeface="Arial" panose="020B0604020202020204" pitchFamily="34" charset="0"/>
-                <a:cs typeface="Arial" panose="020B0604020202020204" pitchFamily="34" charset="0"/>
-              </a:rPr>
-              <a:t>AWS CloudFormation</a:t>
-            </a:r>
-          </a:p>
-        </p:txBody>
-      </p:sp>
-      <p:pic>
-        <p:nvPicPr>
-          <p:cNvPr id="152" name="Graphic 151">
-            <a:extLst>
-              <a:ext uri="{FF2B5EF4-FFF2-40B4-BE49-F238E27FC236}">
-                <a16:creationId xmlns:a16="http://schemas.microsoft.com/office/drawing/2014/main" id="{399FFB55-9DC7-0642-93ED-51225281247C}"/>
-              </a:ext>
-            </a:extLst>
-          </p:cNvPr>
-          <p:cNvPicPr>
-            <a:picLocks noChangeAspect="1"/>
-          </p:cNvPicPr>
-          <p:nvPr/>
-        </p:nvPicPr>
-        <p:blipFill>
-          <a:blip r:embed="rId11">
-            <a:extLst>
-              <a:ext uri="{96DAC541-7B7A-43D3-8B79-37D633B846F1}">
-                <asvg:svgBlip xmlns:asvg="http://schemas.microsoft.com/office/drawing/2016/SVG/main" r:embed="rId12"/>
-              </a:ext>
-            </a:extLst>
-          </a:blip>
-          <a:stretch>
-            <a:fillRect/>
-          </a:stretch>
-        </p:blipFill>
-        <p:spPr>
-          <a:xfrm>
-            <a:off x="2760452" y="1821485"/>
-            <a:ext cx="555156" cy="555156"/>
-          </a:xfrm>
-          <a:prstGeom prst="rect">
-            <a:avLst/>
-          </a:prstGeom>
-        </p:spPr>
-      </p:pic>
       <p:sp>
         <p:nvSpPr>
           <p:cNvPr id="153" name="Rectangle 152">
@@ -4712,8 +4584,8 @@
         </p:nvSpPr>
         <p:spPr>
           <a:xfrm>
-            <a:off x="3994038" y="1191524"/>
-            <a:ext cx="4056715" cy="2372158"/>
+            <a:off x="3547146" y="1530879"/>
+            <a:ext cx="4269727" cy="2137811"/>
           </a:xfrm>
           <a:prstGeom prst="rect">
             <a:avLst/>
@@ -4743,7 +4615,7 @@
           </a:fontRef>
         </p:style>
         <p:txBody>
-          <a:bodyPr rot="0" spcFirstLastPara="0" vertOverflow="overflow" horzOverflow="overflow" vert="horz" wrap="square" lIns="91440" tIns="91440" rIns="91440" bIns="45720" numCol="1" spcCol="0" rtlCol="0" fromWordArt="0" anchor="t" anchorCtr="0" forceAA="0" compatLnSpc="1">
+          <a:bodyPr rot="0" spcFirstLastPara="0" vertOverflow="overflow" horzOverflow="overflow" vert="horz" wrap="square" lIns="91440" tIns="0" rIns="91440" bIns="45720" numCol="1" spcCol="0" rtlCol="0" fromWordArt="0" anchor="t" anchorCtr="0" forceAA="0" compatLnSpc="1">
             <a:prstTxWarp prst="textNoShape">
               <a:avLst/>
             </a:prstTxWarp>
@@ -4751,62 +4623,19 @@
           </a:bodyPr>
           <a:lstStyle/>
           <a:p>
-            <a:pPr algn="ctr"/>
-            <a:endParaRPr lang="en-US" sz="1400" dirty="0">
-              <a:solidFill>
-                <a:srgbClr val="5A6B86"/>
-              </a:solidFill>
-              <a:latin typeface="Arial" panose="020B0604020202020204" pitchFamily="34" charset="0"/>
-              <a:cs typeface="Arial" panose="020B0604020202020204" pitchFamily="34" charset="0"/>
-            </a:endParaRPr>
-          </a:p>
-        </p:txBody>
-      </p:sp>
-      <p:cxnSp>
-        <p:nvCxnSpPr>
-          <p:cNvPr id="154" name="Straight Arrow Connector 153">
-            <a:extLst>
-              <a:ext uri="{FF2B5EF4-FFF2-40B4-BE49-F238E27FC236}">
-                <a16:creationId xmlns:a16="http://schemas.microsoft.com/office/drawing/2014/main" id="{0FBB0361-D6B4-2F47-A0BE-F9DF0B40739C}"/>
-              </a:ext>
-            </a:extLst>
-          </p:cNvPr>
-          <p:cNvCxnSpPr>
-            <a:cxnSpLocks/>
-          </p:cNvCxnSpPr>
-          <p:nvPr/>
-        </p:nvCxnSpPr>
-        <p:spPr>
-          <a:xfrm>
-            <a:off x="3371481" y="2041092"/>
-            <a:ext cx="486285" cy="0"/>
-          </a:xfrm>
-          <a:prstGeom prst="straightConnector1">
-            <a:avLst/>
-          </a:prstGeom>
-          <a:ln w="12700">
-            <a:solidFill>
-              <a:srgbClr val="545B64"/>
-            </a:solidFill>
-            <a:headEnd type="none" w="med" len="sm"/>
-            <a:tailEnd type="arrow" w="med" len="sm"/>
-          </a:ln>
-        </p:spPr>
-        <p:style>
-          <a:lnRef idx="1">
-            <a:schemeClr val="accent1"/>
-          </a:lnRef>
-          <a:fillRef idx="0">
-            <a:schemeClr val="accent1"/>
-          </a:fillRef>
-          <a:effectRef idx="0">
-            <a:schemeClr val="accent1"/>
-          </a:effectRef>
-          <a:fontRef idx="minor">
-            <a:schemeClr val="tx1"/>
-          </a:fontRef>
-        </p:style>
-      </p:cxnSp>
+            <a:r>
+              <a:rPr lang="en-US" sz="1100" b="1" dirty="0">
+                <a:solidFill>
+                  <a:schemeClr val="tx1"/>
+                </a:solidFill>
+                <a:latin typeface="Arial" panose="020B0604020202020204" pitchFamily="34" charset="0"/>
+                <a:cs typeface="Arial" panose="020B0604020202020204" pitchFamily="34" charset="0"/>
+              </a:rPr>
+              <a:t>Home-region</a:t>
+            </a:r>
+          </a:p>
+        </p:txBody>
+      </p:sp>
       <p:sp>
         <p:nvSpPr>
           <p:cNvPr id="189" name="TextBox 188">
@@ -4821,8 +4650,8 @@
         </p:nvSpPr>
         <p:spPr>
           <a:xfrm>
-            <a:off x="6976521" y="5469148"/>
-            <a:ext cx="1103001" cy="430887"/>
+            <a:off x="5047693" y="4681081"/>
+            <a:ext cx="1349248" cy="261610"/>
           </a:xfrm>
           <a:prstGeom prst="rect">
             <a:avLst/>
@@ -4852,6 +4681,81 @@
             <a:extLst>
               <a:ext uri="{FF2B5EF4-FFF2-40B4-BE49-F238E27FC236}">
                 <a16:creationId xmlns:a16="http://schemas.microsoft.com/office/drawing/2014/main" id="{AA0778F0-4FFC-F040-A4B7-4BD9E4A9C58D}"/>
+              </a:ext>
+            </a:extLst>
+          </p:cNvPr>
+          <p:cNvPicPr>
+            <a:picLocks noChangeAspect="1"/>
+          </p:cNvPicPr>
+          <p:nvPr/>
+        </p:nvPicPr>
+        <p:blipFill>
+          <a:blip r:embed="rId7">
+            <a:extLst>
+              <a:ext uri="{96DAC541-7B7A-43D3-8B79-37D633B846F1}">
+                <asvg:svgBlip xmlns:asvg="http://schemas.microsoft.com/office/drawing/2016/SVG/main" r:embed="rId8"/>
+              </a:ext>
+            </a:extLst>
+          </a:blip>
+          <a:stretch>
+            <a:fillRect/>
+          </a:stretch>
+        </p:blipFill>
+        <p:spPr>
+          <a:xfrm>
+            <a:off x="5487367" y="4335561"/>
+            <a:ext cx="469900" cy="469900"/>
+          </a:xfrm>
+          <a:prstGeom prst="rect">
+            <a:avLst/>
+          </a:prstGeom>
+        </p:spPr>
+      </p:pic>
+      <p:sp>
+        <p:nvSpPr>
+          <p:cNvPr id="193" name="TextBox 192">
+            <a:extLst>
+              <a:ext uri="{FF2B5EF4-FFF2-40B4-BE49-F238E27FC236}">
+                <a16:creationId xmlns:a16="http://schemas.microsoft.com/office/drawing/2014/main" id="{04BAA3FC-2945-F644-9D2A-644DBD513EB6}"/>
+              </a:ext>
+            </a:extLst>
+          </p:cNvPr>
+          <p:cNvSpPr txBox="1"/>
+          <p:nvPr/>
+        </p:nvSpPr>
+        <p:spPr>
+          <a:xfrm>
+            <a:off x="3553388" y="5782035"/>
+            <a:ext cx="1186521" cy="430887"/>
+          </a:xfrm>
+          <a:prstGeom prst="rect">
+            <a:avLst/>
+          </a:prstGeom>
+          <a:noFill/>
+        </p:spPr>
+        <p:txBody>
+          <a:bodyPr wrap="square" rtlCol="0">
+            <a:spAutoFit/>
+          </a:bodyPr>
+          <a:lstStyle/>
+          <a:p>
+            <a:pPr algn="ctr"/>
+            <a:r>
+              <a:rPr lang="en-US" sz="1100" dirty="0">
+                <a:latin typeface="Arial" panose="020B0604020202020204" pitchFamily="34" charset="0"/>
+                <a:cs typeface="Arial" panose="020B0604020202020204" pitchFamily="34" charset="0"/>
+              </a:rPr>
+              <a:t>AWS CloudFormation</a:t>
+            </a:r>
+          </a:p>
+        </p:txBody>
+      </p:sp>
+      <p:pic>
+        <p:nvPicPr>
+          <p:cNvPr id="194" name="Graphic 193">
+            <a:extLst>
+              <a:ext uri="{FF2B5EF4-FFF2-40B4-BE49-F238E27FC236}">
+                <a16:creationId xmlns:a16="http://schemas.microsoft.com/office/drawing/2014/main" id="{5B61BE09-FD56-4142-8617-BBF4ACBE2C93}"/>
               </a:ext>
             </a:extLst>
           </p:cNvPr>
@@ -4874,8 +4778,8 @@
         </p:blipFill>
         <p:spPr>
           <a:xfrm>
-            <a:off x="7251127" y="5068331"/>
-            <a:ext cx="469900" cy="469900"/>
+            <a:off x="3920511" y="5324835"/>
+            <a:ext cx="457200" cy="457200"/>
           </a:xfrm>
           <a:prstGeom prst="rect">
             <a:avLst/>
@@ -4884,81 +4788,6 @@
       </p:pic>
       <p:sp>
         <p:nvSpPr>
-          <p:cNvPr id="193" name="TextBox 192">
-            <a:extLst>
-              <a:ext uri="{FF2B5EF4-FFF2-40B4-BE49-F238E27FC236}">
-                <a16:creationId xmlns:a16="http://schemas.microsoft.com/office/drawing/2014/main" id="{04BAA3FC-2945-F644-9D2A-644DBD513EB6}"/>
-              </a:ext>
-            </a:extLst>
-          </p:cNvPr>
-          <p:cNvSpPr txBox="1"/>
-          <p:nvPr/>
-        </p:nvSpPr>
-        <p:spPr>
-          <a:xfrm>
-            <a:off x="2428103" y="5408733"/>
-            <a:ext cx="1186521" cy="430887"/>
-          </a:xfrm>
-          <a:prstGeom prst="rect">
-            <a:avLst/>
-          </a:prstGeom>
-          <a:noFill/>
-        </p:spPr>
-        <p:txBody>
-          <a:bodyPr wrap="square" rtlCol="0">
-            <a:spAutoFit/>
-          </a:bodyPr>
-          <a:lstStyle/>
-          <a:p>
-            <a:pPr algn="ctr"/>
-            <a:r>
-              <a:rPr lang="en-US" sz="1100" dirty="0">
-                <a:latin typeface="Arial" panose="020B0604020202020204" pitchFamily="34" charset="0"/>
-                <a:cs typeface="Arial" panose="020B0604020202020204" pitchFamily="34" charset="0"/>
-              </a:rPr>
-              <a:t>AWS CloudFormation</a:t>
-            </a:r>
-          </a:p>
-        </p:txBody>
-      </p:sp>
-      <p:pic>
-        <p:nvPicPr>
-          <p:cNvPr id="194" name="Graphic 193">
-            <a:extLst>
-              <a:ext uri="{FF2B5EF4-FFF2-40B4-BE49-F238E27FC236}">
-                <a16:creationId xmlns:a16="http://schemas.microsoft.com/office/drawing/2014/main" id="{5B61BE09-FD56-4142-8617-BBF4ACBE2C93}"/>
-              </a:ext>
-            </a:extLst>
-          </p:cNvPr>
-          <p:cNvPicPr>
-            <a:picLocks noChangeAspect="1"/>
-          </p:cNvPicPr>
-          <p:nvPr/>
-        </p:nvPicPr>
-        <p:blipFill>
-          <a:blip r:embed="rId11">
-            <a:extLst>
-              <a:ext uri="{96DAC541-7B7A-43D3-8B79-37D633B846F1}">
-                <asvg:svgBlip xmlns:asvg="http://schemas.microsoft.com/office/drawing/2016/SVG/main" r:embed="rId12"/>
-              </a:ext>
-            </a:extLst>
-          </a:blip>
-          <a:stretch>
-            <a:fillRect/>
-          </a:stretch>
-        </p:blipFill>
-        <p:spPr>
-          <a:xfrm>
-            <a:off x="2760452" y="4829262"/>
-            <a:ext cx="555156" cy="555156"/>
-          </a:xfrm>
-          <a:prstGeom prst="rect">
-            <a:avLst/>
-          </a:prstGeom>
-        </p:spPr>
-      </p:pic>
-      <p:sp>
-        <p:nvSpPr>
           <p:cNvPr id="195" name="Rectangle 194">
             <a:extLst>
               <a:ext uri="{FF2B5EF4-FFF2-40B4-BE49-F238E27FC236}">
@@ -4971,8 +4800,8 @@
         </p:nvSpPr>
         <p:spPr>
           <a:xfrm>
-            <a:off x="3994038" y="4257762"/>
-            <a:ext cx="4056716" cy="1900818"/>
+            <a:off x="3559767" y="4932177"/>
+            <a:ext cx="4278765" cy="1502316"/>
           </a:xfrm>
           <a:prstGeom prst="rect">
             <a:avLst/>
@@ -5002,7 +4831,7 @@
           </a:fontRef>
         </p:style>
         <p:txBody>
-          <a:bodyPr rot="0" spcFirstLastPara="0" vertOverflow="overflow" horzOverflow="overflow" vert="horz" wrap="square" lIns="91440" tIns="91440" rIns="91440" bIns="45720" numCol="1" spcCol="0" rtlCol="0" fromWordArt="0" anchor="t" anchorCtr="0" forceAA="0" compatLnSpc="1">
+          <a:bodyPr rot="0" spcFirstLastPara="0" vertOverflow="overflow" horzOverflow="overflow" vert="horz" wrap="square" lIns="91440" tIns="0" rIns="91440" bIns="45720" numCol="1" spcCol="0" rtlCol="0" fromWordArt="0" anchor="t" anchorCtr="0" forceAA="0" compatLnSpc="1">
             <a:prstTxWarp prst="textNoShape">
               <a:avLst/>
             </a:prstTxWarp>
@@ -5010,62 +4839,19 @@
           </a:bodyPr>
           <a:lstStyle/>
           <a:p>
-            <a:pPr algn="ctr"/>
-            <a:endParaRPr lang="en-US" sz="1400" dirty="0">
-              <a:solidFill>
-                <a:srgbClr val="5A6B86"/>
-              </a:solidFill>
-              <a:latin typeface="Arial" panose="020B0604020202020204" pitchFamily="34" charset="0"/>
-              <a:cs typeface="Arial" panose="020B0604020202020204" pitchFamily="34" charset="0"/>
-            </a:endParaRPr>
-          </a:p>
-        </p:txBody>
-      </p:sp>
-      <p:cxnSp>
-        <p:nvCxnSpPr>
-          <p:cNvPr id="196" name="Straight Arrow Connector 195">
-            <a:extLst>
-              <a:ext uri="{FF2B5EF4-FFF2-40B4-BE49-F238E27FC236}">
-                <a16:creationId xmlns:a16="http://schemas.microsoft.com/office/drawing/2014/main" id="{608E574B-049F-DD43-AF4F-C396CC8C7873}"/>
-              </a:ext>
-            </a:extLst>
-          </p:cNvPr>
-          <p:cNvCxnSpPr>
-            <a:cxnSpLocks/>
-          </p:cNvCxnSpPr>
-          <p:nvPr/>
-        </p:nvCxnSpPr>
-        <p:spPr>
-          <a:xfrm>
-            <a:off x="3371481" y="5106840"/>
-            <a:ext cx="486285" cy="0"/>
-          </a:xfrm>
-          <a:prstGeom prst="straightConnector1">
-            <a:avLst/>
-          </a:prstGeom>
-          <a:ln w="12700">
-            <a:solidFill>
-              <a:srgbClr val="545B64"/>
-            </a:solidFill>
-            <a:headEnd type="none" w="med" len="sm"/>
-            <a:tailEnd type="arrow" w="med" len="sm"/>
-          </a:ln>
-        </p:spPr>
-        <p:style>
-          <a:lnRef idx="1">
-            <a:schemeClr val="accent1"/>
-          </a:lnRef>
-          <a:fillRef idx="0">
-            <a:schemeClr val="accent1"/>
-          </a:fillRef>
-          <a:effectRef idx="0">
-            <a:schemeClr val="accent1"/>
-          </a:effectRef>
-          <a:fontRef idx="minor">
-            <a:schemeClr val="tx1"/>
-          </a:fontRef>
-        </p:style>
-      </p:cxnSp>
+            <a:r>
+              <a:rPr lang="en-US" sz="1100" b="1" dirty="0">
+                <a:solidFill>
+                  <a:schemeClr val="tx1"/>
+                </a:solidFill>
+                <a:latin typeface="Arial" panose="020B0604020202020204" pitchFamily="34" charset="0"/>
+                <a:cs typeface="Arial" panose="020B0604020202020204" pitchFamily="34" charset="0"/>
+              </a:rPr>
+              <a:t>Home-region</a:t>
+            </a:r>
+          </a:p>
+        </p:txBody>
+      </p:sp>
       <p:sp>
         <p:nvSpPr>
           <p:cNvPr id="226" name="Oval 225">
@@ -5080,7 +4866,7 @@
         </p:nvSpPr>
         <p:spPr>
           <a:xfrm>
-            <a:off x="2411240" y="672315"/>
+            <a:off x="3456460" y="645445"/>
             <a:ext cx="253435" cy="212902"/>
           </a:xfrm>
           <a:prstGeom prst="ellipse">
@@ -5140,7 +4926,7 @@
         </p:nvSpPr>
         <p:spPr>
           <a:xfrm>
-            <a:off x="2772983" y="1828190"/>
+            <a:off x="4109735" y="2231366"/>
             <a:ext cx="253435" cy="212902"/>
           </a:xfrm>
           <a:prstGeom prst="ellipse">
@@ -5200,7 +4986,7 @@
         </p:nvSpPr>
         <p:spPr>
           <a:xfrm>
-            <a:off x="4851959" y="1279459"/>
+            <a:off x="5252219" y="1766517"/>
             <a:ext cx="253435" cy="212902"/>
           </a:xfrm>
           <a:prstGeom prst="ellipse">
@@ -5261,10 +5047,10 @@
           <p:nvPr/>
         </p:nvPicPr>
         <p:blipFill>
-          <a:blip r:embed="rId13">
+          <a:blip r:embed="rId11">
             <a:extLst>
               <a:ext uri="{96DAC541-7B7A-43D3-8B79-37D633B846F1}">
-                <asvg:svgBlip xmlns:asvg="http://schemas.microsoft.com/office/drawing/2016/SVG/main" r:embed="rId14"/>
+                <asvg:svgBlip xmlns:asvg="http://schemas.microsoft.com/office/drawing/2016/SVG/main" r:embed="rId12"/>
               </a:ext>
             </a:extLst>
           </a:blip>
@@ -5274,8 +5060,8 @@
         </p:blipFill>
         <p:spPr>
           <a:xfrm>
-            <a:off x="6828295" y="1247942"/>
-            <a:ext cx="550098" cy="550098"/>
+            <a:off x="7151569" y="1758035"/>
+            <a:ext cx="457200" cy="457200"/>
           </a:xfrm>
           <a:prstGeom prst="rect">
             <a:avLst/>
@@ -5296,7 +5082,7 @@
         </p:nvSpPr>
         <p:spPr>
           <a:xfrm>
-            <a:off x="6004062" y="1791293"/>
+            <a:off x="5295620" y="983591"/>
             <a:ext cx="253435" cy="212902"/>
           </a:xfrm>
           <a:prstGeom prst="ellipse">
@@ -5356,7 +5142,7 @@
         </p:nvSpPr>
         <p:spPr>
           <a:xfrm>
-            <a:off x="4890075" y="2555039"/>
+            <a:off x="5522403" y="2742145"/>
             <a:ext cx="253435" cy="212902"/>
           </a:xfrm>
           <a:prstGeom prst="ellipse">
@@ -5416,7 +5202,7 @@
         </p:nvSpPr>
         <p:spPr>
           <a:xfrm>
-            <a:off x="6841097" y="1254615"/>
+            <a:off x="7164371" y="1764708"/>
             <a:ext cx="253435" cy="212902"/>
           </a:xfrm>
           <a:prstGeom prst="ellipse">
@@ -5476,7 +5262,7 @@
         </p:nvSpPr>
         <p:spPr>
           <a:xfrm>
-            <a:off x="2390320" y="3714714"/>
+            <a:off x="3446246" y="3886173"/>
             <a:ext cx="253435" cy="212902"/>
           </a:xfrm>
           <a:prstGeom prst="ellipse">
@@ -5536,7 +5322,7 @@
         </p:nvSpPr>
         <p:spPr>
           <a:xfrm>
-            <a:off x="2775678" y="4838551"/>
+            <a:off x="3935737" y="5334124"/>
             <a:ext cx="253435" cy="212902"/>
           </a:xfrm>
           <a:prstGeom prst="ellipse">
@@ -5596,7 +5382,7 @@
         </p:nvSpPr>
         <p:spPr>
           <a:xfrm>
-            <a:off x="7384438" y="4916994"/>
+            <a:off x="5297135" y="4411611"/>
             <a:ext cx="253435" cy="212902"/>
           </a:xfrm>
           <a:prstGeom prst="ellipse">
@@ -5656,7 +5442,7 @@
         </p:nvSpPr>
         <p:spPr>
           <a:xfrm>
-            <a:off x="6104966" y="5445017"/>
+            <a:off x="7028930" y="5775597"/>
             <a:ext cx="809602" cy="430887"/>
           </a:xfrm>
           <a:prstGeom prst="rect">
@@ -5696,10 +5482,10 @@
           <p:nvPr/>
         </p:nvPicPr>
         <p:blipFill>
-          <a:blip r:embed="rId13">
+          <a:blip r:embed="rId11">
             <a:extLst>
               <a:ext uri="{96DAC541-7B7A-43D3-8B79-37D633B846F1}">
-                <asvg:svgBlip xmlns:asvg="http://schemas.microsoft.com/office/drawing/2016/SVG/main" r:embed="rId14"/>
+                <asvg:svgBlip xmlns:asvg="http://schemas.microsoft.com/office/drawing/2016/SVG/main" r:embed="rId12"/>
               </a:ext>
             </a:extLst>
           </a:blip>
@@ -5709,8 +5495,8 @@
         </p:blipFill>
         <p:spPr>
           <a:xfrm>
-            <a:off x="6236183" y="4912072"/>
-            <a:ext cx="550098" cy="550098"/>
+            <a:off x="7201568" y="5324616"/>
+            <a:ext cx="457200" cy="457200"/>
           </a:xfrm>
           <a:prstGeom prst="rect">
             <a:avLst/>
@@ -5731,8 +5517,8 @@
         </p:nvSpPr>
         <p:spPr>
           <a:xfrm>
-            <a:off x="4176028" y="4814181"/>
-            <a:ext cx="1765300" cy="1143000"/>
+            <a:off x="4980166" y="5233213"/>
+            <a:ext cx="1926583" cy="1143000"/>
           </a:xfrm>
           <a:prstGeom prst="rect">
             <a:avLst/>
@@ -5768,14 +5554,14 @@
           <a:p>
             <a:pPr algn="l"/>
             <a:r>
-              <a:rPr lang="en-US" sz="1200" dirty="0">
+              <a:rPr lang="en-US" sz="1100" dirty="0">
                 <a:solidFill>
                   <a:schemeClr val="tx1"/>
                 </a:solidFill>
                 <a:latin typeface="Arial" panose="020B0604020202020204" pitchFamily="34" charset="0"/>
                 <a:cs typeface="Arial" panose="020B0604020202020204" pitchFamily="34" charset="0"/>
               </a:rPr>
-              <a:t>VPC</a:t>
+              <a:t>Security Group VPC</a:t>
             </a:r>
           </a:p>
         </p:txBody>
@@ -5795,10 +5581,10 @@
           <p:nvPr/>
         </p:nvPicPr>
         <p:blipFill>
-          <a:blip r:embed="rId15">
+          <a:blip r:embed="rId13">
             <a:extLst>
               <a:ext uri="{96DAC541-7B7A-43D3-8B79-37D633B846F1}">
-                <asvg:svgBlip xmlns:asvg="http://schemas.microsoft.com/office/drawing/2016/SVG/main" r:embed="rId16"/>
+                <asvg:svgBlip xmlns:asvg="http://schemas.microsoft.com/office/drawing/2016/SVG/main" r:embed="rId14"/>
               </a:ext>
             </a:extLst>
           </a:blip>
@@ -5808,7 +5594,7 @@
         </p:blipFill>
         <p:spPr>
           <a:xfrm>
-            <a:off x="4176028" y="4814181"/>
+            <a:off x="4980167" y="5233213"/>
             <a:ext cx="330200" cy="330200"/>
           </a:xfrm>
           <a:prstGeom prst="rect">
@@ -5830,8 +5616,8 @@
         </p:nvSpPr>
         <p:spPr>
           <a:xfrm>
-            <a:off x="4283273" y="5216048"/>
-            <a:ext cx="1561232" cy="669465"/>
+            <a:off x="5087411" y="5635080"/>
+            <a:ext cx="1710507" cy="669465"/>
           </a:xfrm>
           <a:prstGeom prst="rect">
             <a:avLst/>
@@ -5896,7 +5682,7 @@
         </p:nvSpPr>
         <p:spPr>
           <a:xfrm>
-            <a:off x="4183512" y="4832980"/>
+            <a:off x="4987651" y="5252012"/>
             <a:ext cx="253435" cy="212902"/>
           </a:xfrm>
           <a:prstGeom prst="ellipse">
@@ -5956,7 +5742,7 @@
         </p:nvSpPr>
         <p:spPr>
           <a:xfrm>
-            <a:off x="6242565" y="4921501"/>
+            <a:off x="7213926" y="5334045"/>
             <a:ext cx="253435" cy="212902"/>
           </a:xfrm>
           <a:prstGeom prst="ellipse">
@@ -6002,6 +5788,148 @@
           </a:p>
         </p:txBody>
       </p:sp>
+      <p:pic>
+        <p:nvPicPr>
+          <p:cNvPr id="42" name="Graphic 13">
+            <a:extLst>
+              <a:ext uri="{FF2B5EF4-FFF2-40B4-BE49-F238E27FC236}">
+                <a16:creationId xmlns:a16="http://schemas.microsoft.com/office/drawing/2014/main" id="{3F561E51-0C5A-344E-8779-593764864DCA}"/>
+              </a:ext>
+            </a:extLst>
+          </p:cNvPr>
+          <p:cNvPicPr>
+            <a:picLocks noChangeAspect="1" noChangeArrowheads="1"/>
+          </p:cNvPicPr>
+          <p:nvPr/>
+        </p:nvPicPr>
+        <p:blipFill>
+          <a:blip r:embed="rId15">
+            <a:extLst>
+              <a:ext uri="{28A0092B-C50C-407E-A947-70E740481C1C}">
+                <a14:useLocalDpi xmlns:a14="http://schemas.microsoft.com/office/drawing/2010/main" val="0"/>
+              </a:ext>
+            </a:extLst>
+          </a:blip>
+          <a:srcRect/>
+          <a:stretch>
+            <a:fillRect/>
+          </a:stretch>
+        </p:blipFill>
+        <p:spPr bwMode="auto">
+          <a:xfrm>
+            <a:off x="5511152" y="1758035"/>
+            <a:ext cx="457200" cy="457200"/>
+          </a:xfrm>
+          <a:prstGeom prst="rect">
+            <a:avLst/>
+          </a:prstGeom>
+          <a:noFill/>
+          <a:ln>
+            <a:noFill/>
+          </a:ln>
+          <a:extLst>
+            <a:ext uri="{909E8E84-426E-40DD-AFC4-6F175D3DCCD1}">
+              <a14:hiddenFill xmlns:a14="http://schemas.microsoft.com/office/drawing/2010/main">
+                <a:solidFill>
+                  <a:srgbClr val="FFFFFF"/>
+                </a:solidFill>
+              </a14:hiddenFill>
+            </a:ext>
+            <a:ext uri="{91240B29-F687-4F45-9708-019B960494DF}">
+              <a14:hiddenLine xmlns:a14="http://schemas.microsoft.com/office/drawing/2010/main" w="9525">
+                <a:solidFill>
+                  <a:srgbClr val="000000"/>
+                </a:solidFill>
+                <a:miter lim="800000"/>
+                <a:headEnd/>
+                <a:tailEnd/>
+              </a14:hiddenLine>
+            </a:ext>
+          </a:extLst>
+        </p:spPr>
+      </p:pic>
+      <p:cxnSp>
+        <p:nvCxnSpPr>
+          <p:cNvPr id="47" name="Straight Arrow Connector 46">
+            <a:extLst>
+              <a:ext uri="{FF2B5EF4-FFF2-40B4-BE49-F238E27FC236}">
+                <a16:creationId xmlns:a16="http://schemas.microsoft.com/office/drawing/2014/main" id="{6354BEA3-A7A2-5E4B-973B-D7F07E611318}"/>
+              </a:ext>
+            </a:extLst>
+          </p:cNvPr>
+          <p:cNvCxnSpPr>
+            <a:cxnSpLocks/>
+          </p:cNvCxnSpPr>
+          <p:nvPr/>
+        </p:nvCxnSpPr>
+        <p:spPr>
+          <a:xfrm>
+            <a:off x="5750830" y="2433481"/>
+            <a:ext cx="0" cy="244629"/>
+          </a:xfrm>
+          <a:prstGeom prst="straightConnector1">
+            <a:avLst/>
+          </a:prstGeom>
+          <a:ln>
+            <a:tailEnd type="triangle"/>
+          </a:ln>
+        </p:spPr>
+        <p:style>
+          <a:lnRef idx="1">
+            <a:schemeClr val="dk1"/>
+          </a:lnRef>
+          <a:fillRef idx="0">
+            <a:schemeClr val="dk1"/>
+          </a:fillRef>
+          <a:effectRef idx="0">
+            <a:schemeClr val="dk1"/>
+          </a:effectRef>
+          <a:fontRef idx="minor">
+            <a:schemeClr val="tx1"/>
+          </a:fontRef>
+        </p:style>
+      </p:cxnSp>
+      <p:cxnSp>
+        <p:nvCxnSpPr>
+          <p:cNvPr id="49" name="Straight Arrow Connector 48">
+            <a:extLst>
+              <a:ext uri="{FF2B5EF4-FFF2-40B4-BE49-F238E27FC236}">
+                <a16:creationId xmlns:a16="http://schemas.microsoft.com/office/drawing/2014/main" id="{27B3B4ED-B69A-154C-8794-019F031D165A}"/>
+              </a:ext>
+            </a:extLst>
+          </p:cNvPr>
+          <p:cNvCxnSpPr>
+            <a:cxnSpLocks/>
+          </p:cNvCxnSpPr>
+          <p:nvPr/>
+        </p:nvCxnSpPr>
+        <p:spPr>
+          <a:xfrm>
+            <a:off x="6202216" y="2000640"/>
+            <a:ext cx="652847" cy="0"/>
+          </a:xfrm>
+          <a:prstGeom prst="straightConnector1">
+            <a:avLst/>
+          </a:prstGeom>
+          <a:ln>
+            <a:tailEnd type="triangle"/>
+          </a:ln>
+        </p:spPr>
+        <p:style>
+          <a:lnRef idx="1">
+            <a:schemeClr val="dk1"/>
+          </a:lnRef>
+          <a:fillRef idx="0">
+            <a:schemeClr val="dk1"/>
+          </a:fillRef>
+          <a:effectRef idx="0">
+            <a:schemeClr val="dk1"/>
+          </a:effectRef>
+          <a:fontRef idx="minor">
+            <a:schemeClr val="tx1"/>
+          </a:fontRef>
+        </p:style>
+      </p:cxnSp>
     </p:spTree>
     <p:extLst>
       <p:ext uri="{BB962C8B-B14F-4D97-AF65-F5344CB8AC3E}">
